--- a/lab11.pptx
+++ b/lab11.pptx
@@ -19286,7 +19286,7 @@
           <a:p>
             <a:r>
               <a:rPr lang="en-US" sz="2000" dirty="0"/>
-              <a:t>- For each node, the values of nodes in its left subtree are smaller that its value, while the values of nodes in its right subtree are larger than its value.</a:t>
+              <a:t>- For each node, the values of nodes in its left subtree are smaller than its value, while the values of nodes in its right subtree are larger than its value.</a:t>
             </a:r>
           </a:p>
           <a:p>
@@ -19485,7 +19485,7 @@
               <a:buChar char="․"/>
             </a:pPr>
             <a:r>
-              <a:rPr lang="en-US" sz="2400">
+              <a:rPr lang="en-US" sz="2400" dirty="0" err="1">
                 <a:solidFill>
                   <a:srgbClr val="000000"/>
                 </a:solidFill>
@@ -19494,7 +19494,7 @@
               </a:rPr>
               <a:t>swap_module</a:t>
             </a:r>
-            <a:endParaRPr/>
+            <a:endParaRPr dirty="0"/>
           </a:p>
           <a:p>
             <a:pPr lvl="1">
@@ -19506,7 +19506,7 @@
               <a:buChar char="¾"/>
             </a:pPr>
             <a:r>
-              <a:rPr lang="en-US" sz="2000">
+              <a:rPr lang="en-US" sz="2000" dirty="0">
                 <a:solidFill>
                   <a:srgbClr val="000099"/>
                 </a:solidFill>
@@ -19515,7 +19515,7 @@
               </a:rPr>
               <a:t>Swap two modules from two leave nodes</a:t>
             </a:r>
-            <a:endParaRPr/>
+            <a:endParaRPr dirty="0"/>
           </a:p>
           <a:p>
             <a:pPr lvl="1">
@@ -19527,16 +19527,16 @@
               <a:buChar char="¾"/>
             </a:pPr>
             <a:r>
-              <a:rPr lang="en-US" sz="2000">
+              <a:rPr lang="en-US" sz="2000" dirty="0">
                 <a:solidFill>
                   <a:srgbClr val="000099"/>
                 </a:solidFill>
                 <a:latin typeface="Arial"/>
                 <a:ea typeface="新細明體"/>
               </a:rPr>
-              <a:t>Simply swap the pointer value</a:t>
-            </a:r>
-            <a:endParaRPr/>
+              <a:t>Simply swap the module</a:t>
+            </a:r>
+            <a:endParaRPr dirty="0"/>
           </a:p>
           <a:p>
             <a:pPr lvl="1">
@@ -19548,7 +19548,7 @@
               <a:buChar char="¾"/>
             </a:pPr>
             <a:r>
-              <a:rPr lang="en-US" sz="2000">
+              <a:rPr lang="en-US" sz="2000" dirty="0">
                 <a:solidFill>
                   <a:srgbClr val="000099"/>
                 </a:solidFill>
@@ -19557,7 +19557,7 @@
               </a:rPr>
               <a:t>Do not modify the node links</a:t>
             </a:r>
-            <a:endParaRPr/>
+            <a:endParaRPr dirty="0"/>
           </a:p>
           <a:p>
             <a:pPr>
@@ -19565,7 +19565,7 @@
                 <a:spcPct val="100000"/>
               </a:lnSpc>
             </a:pPr>
-            <a:endParaRPr/>
+            <a:endParaRPr dirty="0"/>
           </a:p>
         </p:txBody>
       </p:sp>
@@ -26848,7 +26848,11 @@
           <a:lstStyle/>
           <a:p>
             <a:r>
-              <a:rPr lang="en-US" dirty="0"/>
+              <a:rPr lang="en-US" dirty="0">
+                <a:solidFill>
+                  <a:schemeClr val="bg1"/>
+                </a:solidFill>
+              </a:rPr>
               <a:t>return node-&gt;parent-&gt;right == node;</a:t>
             </a:r>
           </a:p>
@@ -26883,11 +26887,19 @@
           <a:lstStyle/>
           <a:p>
             <a:r>
-              <a:rPr lang="en-US" dirty="0" err="1"/>
+              <a:rPr lang="en-US" dirty="0" err="1">
+                <a:solidFill>
+                  <a:schemeClr val="bg1"/>
+                </a:solidFill>
+              </a:rPr>
               <a:t>node.val</a:t>
             </a:r>
             <a:r>
-              <a:rPr lang="en-US" dirty="0"/>
+              <a:rPr lang="en-US" dirty="0">
+                <a:solidFill>
+                  <a:schemeClr val="bg1"/>
+                </a:solidFill>
+              </a:rPr>
               <a:t> + …..</a:t>
             </a:r>
           </a:p>
@@ -26922,11 +26934,19 @@
           <a:lstStyle/>
           <a:p>
             <a:r>
-              <a:rPr lang="en-US" dirty="0"/>
+              <a:rPr lang="en-US" dirty="0">
+                <a:solidFill>
+                  <a:schemeClr val="bg1"/>
+                </a:solidFill>
+              </a:rPr>
               <a:t>Add if (node-&gt;left == NULL &amp;&amp; node-&gt;right == NULL) </a:t>
             </a:r>
             <a:r>
-              <a:rPr lang="en-US"/>
+              <a:rPr lang="en-US">
+                <a:solidFill>
+                  <a:schemeClr val="bg1"/>
+                </a:solidFill>
+              </a:rPr>
               <a:t>before line 11</a:t>
             </a:r>
           </a:p>
